--- a/llm_tritonization_benchmark/polybench_pipeline_slides.pptx
+++ b/llm_tritonization_benchmark/polybench_pipeline_slides.pptx
@@ -16,6 +16,7 @@
     <p:sldId id="264" r:id="rId15"/>
     <p:sldId id="265" r:id="rId16"/>
     <p:sldId id="266" r:id="rId17"/>
+    <p:sldId id="267" r:id="rId18"/>
   </p:sldIdLst>
   <p:sldSz cx="9144000" cy="5143500" type="screen4x3"/>
   <p:notesSz cx="6858000" cy="9144000"/>
@@ -4946,6 +4947,863 @@
 </p:sld>
 </file>
 
+<file path=ppt/slides/slide12.xml><?xml version="1.0" encoding="utf-8"?>
+<p:sld xmlns:a="http://schemas.openxmlformats.org/drawingml/2006/main" xmlns:p="http://schemas.openxmlformats.org/presentationml/2006/main" xmlns:r="http://schemas.openxmlformats.org/officeDocument/2006/relationships">
+  <p:cSld>
+    <p:spTree>
+      <p:nvGrpSpPr>
+        <p:cNvPr id="1" name=""/>
+        <p:cNvGrpSpPr/>
+        <p:nvPr/>
+      </p:nvGrpSpPr>
+      <p:grpSpPr/>
+      <p:sp>
+        <p:nvSpPr>
+          <p:cNvPr id="2" name="TextBox 1"/>
+          <p:cNvSpPr txBox="1"/>
+          <p:nvPr/>
+        </p:nvSpPr>
+        <p:spPr>
+          <a:xfrm>
+            <a:off x="548640" y="274320"/>
+            <a:ext cx="7680960" cy="548640"/>
+          </a:xfrm>
+          <a:prstGeom prst="rect">
+            <a:avLst/>
+          </a:prstGeom>
+          <a:noFill/>
+        </p:spPr>
+        <p:txBody>
+          <a:bodyPr wrap="square">
+            <a:spAutoFit/>
+          </a:bodyPr>
+          <a:lstStyle/>
+          <a:p>
+            <a:pPr algn="l">
+              <a:lnSpc>
+                <a:spcPts val="3219"/>
+              </a:lnSpc>
+              <a:defRPr sz="2800" b="1">
+                <a:solidFill>
+                  <a:srgbClr val="1B2A4A"/>
+                </a:solidFill>
+                <a:latin typeface="Calibri"/>
+              </a:defRPr>
+            </a:pPr>
+            <a:r>
+              <a:t>Ablation: Analysis vs No-Analysis</a:t>
+            </a:r>
+          </a:p>
+        </p:txBody>
+      </p:sp>
+      <p:sp>
+        <p:nvSpPr>
+          <p:cNvPr id="3" name="TextBox 2"/>
+          <p:cNvSpPr txBox="1"/>
+          <p:nvPr/>
+        </p:nvSpPr>
+        <p:spPr>
+          <a:xfrm>
+            <a:off x="457200" y="914400"/>
+            <a:ext cx="8229600" cy="274320"/>
+          </a:xfrm>
+          <a:prstGeom prst="rect">
+            <a:avLst/>
+          </a:prstGeom>
+          <a:noFill/>
+        </p:spPr>
+        <p:txBody>
+          <a:bodyPr wrap="square">
+            <a:spAutoFit/>
+          </a:bodyPr>
+          <a:lstStyle/>
+          <a:p>
+            <a:pPr algn="l">
+              <a:lnSpc>
+                <a:spcPts val="1495"/>
+              </a:lnSpc>
+              <a:defRPr sz="1300" b="0">
+                <a:solidFill>
+                  <a:srgbClr val="7F8C8D"/>
+                </a:solidFill>
+                <a:latin typeface="Calibri"/>
+              </a:defRPr>
+            </a:pPr>
+            <a:r>
+              <a:t>Same pipeline, same model (Sonnet), same 5 retries -- only difference: analysis in prompt</a:t>
+            </a:r>
+          </a:p>
+        </p:txBody>
+      </p:sp>
+      <p:graphicFrame>
+        <p:nvGraphicFramePr>
+          <p:cNvPr id="4" name="Table 3"/>
+          <p:cNvGraphicFramePr>
+            <a:graphicFrameLocks noGrp="1"/>
+          </p:cNvGraphicFramePr>
+          <p:nvPr/>
+        </p:nvGraphicFramePr>
+        <p:xfrm>
+          <a:off x="457200" y="1371600"/>
+          <a:ext cx="8229600" cy="1280160"/>
+        </p:xfrm>
+        <a:graphic>
+          <a:graphicData uri="http://schemas.openxmlformats.org/drawingml/2006/table">
+            <a:tbl>
+              <a:tblPr firstRow="1" bandRow="1">
+                <a:tableStyleId>{5C22544A-7EE6-4342-B048-85BDC9FD1C3A}</a:tableStyleId>
+              </a:tblPr>
+              <a:tblGrid>
+                <a:gridCol w="2011680"/>
+                <a:gridCol w="2286000"/>
+                <a:gridCol w="2286000"/>
+                <a:gridCol w="1645920"/>
+              </a:tblGrid>
+              <a:tr h="320040">
+                <a:tc>
+                  <a:txBody>
+                    <a:bodyPr/>
+                    <a:lstStyle/>
+                    <a:p>
+                      <a:pPr>
+                        <a:defRPr sz="1300" b="1">
+                          <a:solidFill>
+                            <a:srgbClr val="FFFFFF"/>
+                          </a:solidFill>
+                          <a:latin typeface="Calibri"/>
+                        </a:defRPr>
+                      </a:pPr>
+                      <a:r>
+                        <a:t>Metric</a:t>
+                      </a:r>
+                    </a:p>
+                  </a:txBody>
+                  <a:tcPr>
+                    <a:solidFill>
+                      <a:srgbClr val="2E5C8A"/>
+                    </a:solidFill>
+                  </a:tcPr>
+                </a:tc>
+                <a:tc>
+                  <a:txBody>
+                    <a:bodyPr/>
+                    <a:lstStyle/>
+                    <a:p>
+                      <a:pPr>
+                        <a:defRPr sz="1300" b="1">
+                          <a:solidFill>
+                            <a:srgbClr val="FFFFFF"/>
+                          </a:solidFill>
+                          <a:latin typeface="Calibri"/>
+                        </a:defRPr>
+                      </a:pPr>
+                      <a:r>
+                        <a:t>With Analysis</a:t>
+                      </a:r>
+                    </a:p>
+                  </a:txBody>
+                  <a:tcPr>
+                    <a:solidFill>
+                      <a:srgbClr val="2E5C8A"/>
+                    </a:solidFill>
+                  </a:tcPr>
+                </a:tc>
+                <a:tc>
+                  <a:txBody>
+                    <a:bodyPr/>
+                    <a:lstStyle/>
+                    <a:p>
+                      <a:pPr>
+                        <a:defRPr sz="1300" b="1">
+                          <a:solidFill>
+                            <a:srgbClr val="FFFFFF"/>
+                          </a:solidFill>
+                          <a:latin typeface="Calibri"/>
+                        </a:defRPr>
+                      </a:pPr>
+                      <a:r>
+                        <a:t>Without Analysis</a:t>
+                      </a:r>
+                    </a:p>
+                  </a:txBody>
+                  <a:tcPr>
+                    <a:solidFill>
+                      <a:srgbClr val="2E5C8A"/>
+                    </a:solidFill>
+                  </a:tcPr>
+                </a:tc>
+                <a:tc>
+                  <a:txBody>
+                    <a:bodyPr/>
+                    <a:lstStyle/>
+                    <a:p>
+                      <a:pPr>
+                        <a:defRPr sz="1300" b="1">
+                          <a:solidFill>
+                            <a:srgbClr val="FFFFFF"/>
+                          </a:solidFill>
+                          <a:latin typeface="Calibri"/>
+                        </a:defRPr>
+                      </a:pPr>
+                      <a:r>
+                        <a:t>Delta</a:t>
+                      </a:r>
+                    </a:p>
+                  </a:txBody>
+                  <a:tcPr>
+                    <a:solidFill>
+                      <a:srgbClr val="2E5C8A"/>
+                    </a:solidFill>
+                  </a:tcPr>
+                </a:tc>
+              </a:tr>
+              <a:tr h="320040">
+                <a:tc>
+                  <a:txBody>
+                    <a:bodyPr/>
+                    <a:lstStyle/>
+                    <a:p>
+                      <a:pPr>
+                        <a:defRPr sz="1300">
+                          <a:solidFill>
+                            <a:srgbClr val="2C3E50"/>
+                          </a:solidFill>
+                          <a:latin typeface="Calibri"/>
+                        </a:defRPr>
+                      </a:pPr>
+                      <a:r>
+                        <a:t>Pass Rate</a:t>
+                      </a:r>
+                    </a:p>
+                  </a:txBody>
+                  <a:tcPr>
+                    <a:solidFill>
+                      <a:srgbClr val="FFFFFF"/>
+                    </a:solidFill>
+                  </a:tcPr>
+                </a:tc>
+                <a:tc>
+                  <a:txBody>
+                    <a:bodyPr/>
+                    <a:lstStyle/>
+                    <a:p>
+                      <a:pPr>
+                        <a:defRPr sz="1300">
+                          <a:solidFill>
+                            <a:srgbClr val="2C3E50"/>
+                          </a:solidFill>
+                          <a:latin typeface="Calibri"/>
+                        </a:defRPr>
+                      </a:pPr>
+                      <a:r>
+                        <a:t>25/30 (83.3%)</a:t>
+                      </a:r>
+                    </a:p>
+                  </a:txBody>
+                  <a:tcPr>
+                    <a:solidFill>
+                      <a:srgbClr val="FFFFFF"/>
+                    </a:solidFill>
+                  </a:tcPr>
+                </a:tc>
+                <a:tc>
+                  <a:txBody>
+                    <a:bodyPr/>
+                    <a:lstStyle/>
+                    <a:p>
+                      <a:pPr>
+                        <a:defRPr sz="1300">
+                          <a:solidFill>
+                            <a:srgbClr val="2C3E50"/>
+                          </a:solidFill>
+                          <a:latin typeface="Calibri"/>
+                        </a:defRPr>
+                      </a:pPr>
+                      <a:r>
+                        <a:t>16/30 (53.3%)</a:t>
+                      </a:r>
+                    </a:p>
+                  </a:txBody>
+                  <a:tcPr>
+                    <a:solidFill>
+                      <a:srgbClr val="FFFFFF"/>
+                    </a:solidFill>
+                  </a:tcPr>
+                </a:tc>
+                <a:tc>
+                  <a:txBody>
+                    <a:bodyPr/>
+                    <a:lstStyle/>
+                    <a:p>
+                      <a:pPr>
+                        <a:defRPr sz="1300">
+                          <a:solidFill>
+                            <a:srgbClr val="2C3E50"/>
+                          </a:solidFill>
+                          <a:latin typeface="Calibri"/>
+                        </a:defRPr>
+                      </a:pPr>
+                      <a:r>
+                        <a:t>+9</a:t>
+                      </a:r>
+                    </a:p>
+                  </a:txBody>
+                  <a:tcPr>
+                    <a:solidFill>
+                      <a:srgbClr val="FFFFFF"/>
+                    </a:solidFill>
+                  </a:tcPr>
+                </a:tc>
+              </a:tr>
+              <a:tr h="320040">
+                <a:tc>
+                  <a:txBody>
+                    <a:bodyPr/>
+                    <a:lstStyle/>
+                    <a:p>
+                      <a:pPr>
+                        <a:defRPr sz="1300">
+                          <a:solidFill>
+                            <a:srgbClr val="2C3E50"/>
+                          </a:solidFill>
+                          <a:latin typeface="Calibri"/>
+                        </a:defRPr>
+                      </a:pPr>
+                      <a:r>
+                        <a:t>First-Try Pass</a:t>
+                      </a:r>
+                    </a:p>
+                  </a:txBody>
+                  <a:tcPr>
+                    <a:solidFill>
+                      <a:srgbClr val="ECF0F1"/>
+                    </a:solidFill>
+                  </a:tcPr>
+                </a:tc>
+                <a:tc>
+                  <a:txBody>
+                    <a:bodyPr/>
+                    <a:lstStyle/>
+                    <a:p>
+                      <a:pPr>
+                        <a:defRPr sz="1300">
+                          <a:solidFill>
+                            <a:srgbClr val="2C3E50"/>
+                          </a:solidFill>
+                          <a:latin typeface="Calibri"/>
+                        </a:defRPr>
+                      </a:pPr>
+                      <a:r>
+                        <a:t>25</a:t>
+                      </a:r>
+                    </a:p>
+                  </a:txBody>
+                  <a:tcPr>
+                    <a:solidFill>
+                      <a:srgbClr val="ECF0F1"/>
+                    </a:solidFill>
+                  </a:tcPr>
+                </a:tc>
+                <a:tc>
+                  <a:txBody>
+                    <a:bodyPr/>
+                    <a:lstStyle/>
+                    <a:p>
+                      <a:pPr>
+                        <a:defRPr sz="1300">
+                          <a:solidFill>
+                            <a:srgbClr val="2C3E50"/>
+                          </a:solidFill>
+                          <a:latin typeface="Calibri"/>
+                        </a:defRPr>
+                      </a:pPr>
+                      <a:r>
+                        <a:t>12</a:t>
+                      </a:r>
+                    </a:p>
+                  </a:txBody>
+                  <a:tcPr>
+                    <a:solidFill>
+                      <a:srgbClr val="ECF0F1"/>
+                    </a:solidFill>
+                  </a:tcPr>
+                </a:tc>
+                <a:tc>
+                  <a:txBody>
+                    <a:bodyPr/>
+                    <a:lstStyle/>
+                    <a:p>
+                      <a:pPr>
+                        <a:defRPr sz="1300">
+                          <a:solidFill>
+                            <a:srgbClr val="2C3E50"/>
+                          </a:solidFill>
+                          <a:latin typeface="Calibri"/>
+                        </a:defRPr>
+                      </a:pPr>
+                      <a:r>
+                        <a:t>+13</a:t>
+                      </a:r>
+                    </a:p>
+                  </a:txBody>
+                  <a:tcPr>
+                    <a:solidFill>
+                      <a:srgbClr val="ECF0F1"/>
+                    </a:solidFill>
+                  </a:tcPr>
+                </a:tc>
+              </a:tr>
+              <a:tr h="320040">
+                <a:tc>
+                  <a:txBody>
+                    <a:bodyPr/>
+                    <a:lstStyle/>
+                    <a:p>
+                      <a:pPr>
+                        <a:defRPr sz="1300">
+                          <a:solidFill>
+                            <a:srgbClr val="2C3E50"/>
+                          </a:solidFill>
+                          <a:latin typeface="Calibri"/>
+                        </a:defRPr>
+                      </a:pPr>
+                      <a:r>
+                        <a:t>Avg Attempts (passed)</a:t>
+                      </a:r>
+                    </a:p>
+                  </a:txBody>
+                  <a:tcPr>
+                    <a:solidFill>
+                      <a:srgbClr val="FFFFFF"/>
+                    </a:solidFill>
+                  </a:tcPr>
+                </a:tc>
+                <a:tc>
+                  <a:txBody>
+                    <a:bodyPr/>
+                    <a:lstStyle/>
+                    <a:p>
+                      <a:pPr>
+                        <a:defRPr sz="1300">
+                          <a:solidFill>
+                            <a:srgbClr val="2C3E50"/>
+                          </a:solidFill>
+                          <a:latin typeface="Calibri"/>
+                        </a:defRPr>
+                      </a:pPr>
+                      <a:r>
+                        <a:t>1.0</a:t>
+                      </a:r>
+                    </a:p>
+                  </a:txBody>
+                  <a:tcPr>
+                    <a:solidFill>
+                      <a:srgbClr val="FFFFFF"/>
+                    </a:solidFill>
+                  </a:tcPr>
+                </a:tc>
+                <a:tc>
+                  <a:txBody>
+                    <a:bodyPr/>
+                    <a:lstStyle/>
+                    <a:p>
+                      <a:pPr>
+                        <a:defRPr sz="1300">
+                          <a:solidFill>
+                            <a:srgbClr val="2C3E50"/>
+                          </a:solidFill>
+                          <a:latin typeface="Calibri"/>
+                        </a:defRPr>
+                      </a:pPr>
+                      <a:r>
+                        <a:t>1.6</a:t>
+                      </a:r>
+                    </a:p>
+                  </a:txBody>
+                  <a:tcPr>
+                    <a:solidFill>
+                      <a:srgbClr val="FFFFFF"/>
+                    </a:solidFill>
+                  </a:tcPr>
+                </a:tc>
+                <a:tc>
+                  <a:txBody>
+                    <a:bodyPr/>
+                    <a:lstStyle/>
+                    <a:p>
+                      <a:pPr>
+                        <a:defRPr sz="1300">
+                          <a:solidFill>
+                            <a:srgbClr val="2C3E50"/>
+                          </a:solidFill>
+                          <a:latin typeface="Calibri"/>
+                        </a:defRPr>
+                      </a:pPr>
+                      <a:r>
+                        <a:t>-0.6</a:t>
+                      </a:r>
+                    </a:p>
+                  </a:txBody>
+                  <a:tcPr>
+                    <a:solidFill>
+                      <a:srgbClr val="FFFFFF"/>
+                    </a:solidFill>
+                  </a:tcPr>
+                </a:tc>
+              </a:tr>
+            </a:tbl>
+          </a:graphicData>
+        </a:graphic>
+      </p:graphicFrame>
+      <p:sp>
+        <p:nvSpPr>
+          <p:cNvPr id="5" name="TextBox 4"/>
+          <p:cNvSpPr txBox="1"/>
+          <p:nvPr/>
+        </p:nvSpPr>
+        <p:spPr>
+          <a:xfrm>
+            <a:off x="457200" y="3017520"/>
+            <a:ext cx="4114800" cy="274320"/>
+          </a:xfrm>
+          <a:prstGeom prst="rect">
+            <a:avLst/>
+          </a:prstGeom>
+          <a:noFill/>
+        </p:spPr>
+        <p:txBody>
+          <a:bodyPr wrap="square">
+            <a:spAutoFit/>
+          </a:bodyPr>
+          <a:lstStyle/>
+          <a:p>
+            <a:pPr algn="l">
+              <a:lnSpc>
+                <a:spcPts val="1725"/>
+              </a:lnSpc>
+              <a:defRPr sz="1500" b="1">
+                <a:solidFill>
+                  <a:srgbClr val="1B2A4A"/>
+                </a:solidFill>
+                <a:latin typeface="Calibri"/>
+              </a:defRPr>
+            </a:pPr>
+            <a:r>
+              <a:t>What analysis provides:</a:t>
+            </a:r>
+          </a:p>
+        </p:txBody>
+      </p:sp>
+      <p:sp>
+        <p:nvSpPr>
+          <p:cNvPr id="6" name="TextBox 5"/>
+          <p:cNvSpPr txBox="1"/>
+          <p:nvPr/>
+        </p:nvSpPr>
+        <p:spPr>
+          <a:xfrm>
+            <a:off x="457200" y="3337560"/>
+            <a:ext cx="4114800" cy="1371600"/>
+          </a:xfrm>
+          <a:prstGeom prst="rect">
+            <a:avLst/>
+          </a:prstGeom>
+          <a:noFill/>
+        </p:spPr>
+        <p:txBody>
+          <a:bodyPr wrap="square">
+            <a:spAutoFit/>
+          </a:bodyPr>
+          <a:lstStyle/>
+          <a:p>
+            <a:pPr>
+              <a:lnSpc>
+                <a:spcPts val="1560"/>
+              </a:lnSpc>
+              <a:spcAft>
+                <a:spcPts val="400"/>
+              </a:spcAft>
+            </a:pPr>
+            <a:r>
+              <a:rPr sz="1200">
+                <a:solidFill>
+                  <a:srgbClr val="2C3E50"/>
+                </a:solidFill>
+                <a:latin typeface="Calibri"/>
+              </a:rPr>
+              <a:t>Which dims to parallelize vs keep sequential</a:t>
+            </a:r>
+          </a:p>
+          <a:p>
+            <a:pPr>
+              <a:lnSpc>
+                <a:spcPts val="1560"/>
+              </a:lnSpc>
+              <a:spcAft>
+                <a:spcPts val="400"/>
+              </a:spcAft>
+            </a:pPr>
+            <a:r>
+              <a:rPr sz="1200">
+                <a:solidFill>
+                  <a:srgbClr val="2C3E50"/>
+                </a:solidFill>
+                <a:latin typeface="Calibri"/>
+              </a:rPr>
+              <a:t>WAR deps: need array copies before parallel region</a:t>
+            </a:r>
+          </a:p>
+          <a:p>
+            <a:pPr>
+              <a:lnSpc>
+                <a:spcPts val="1560"/>
+              </a:lnSpc>
+              <a:spcAft>
+                <a:spcPts val="400"/>
+              </a:spcAft>
+            </a:pPr>
+            <a:r>
+              <a:rPr sz="1200">
+                <a:solidFill>
+                  <a:srgbClr val="2C3E50"/>
+                </a:solidFill>
+                <a:latin typeface="Calibri"/>
+              </a:rPr>
+              <a:t>Reduction type: how to accumulate (tl.sum, etc.)</a:t>
+            </a:r>
+          </a:p>
+          <a:p>
+            <a:pPr>
+              <a:lnSpc>
+                <a:spcPts val="1560"/>
+              </a:lnSpc>
+              <a:spcAft>
+                <a:spcPts val="400"/>
+              </a:spcAft>
+            </a:pPr>
+            <a:r>
+              <a:rPr sz="1200">
+                <a:solidFill>
+                  <a:srgbClr val="2C3E50"/>
+                </a:solidFill>
+                <a:latin typeface="Calibri"/>
+              </a:rPr>
+              <a:t>Scalar expansion: privatize loop-carried scalars</a:t>
+            </a:r>
+          </a:p>
+        </p:txBody>
+      </p:sp>
+      <p:sp>
+        <p:nvSpPr>
+          <p:cNvPr id="7" name="TextBox 6"/>
+          <p:cNvSpPr txBox="1"/>
+          <p:nvPr/>
+        </p:nvSpPr>
+        <p:spPr>
+          <a:xfrm>
+            <a:off x="4846320" y="3017520"/>
+            <a:ext cx="4114800" cy="274320"/>
+          </a:xfrm>
+          <a:prstGeom prst="rect">
+            <a:avLst/>
+          </a:prstGeom>
+          <a:noFill/>
+        </p:spPr>
+        <p:txBody>
+          <a:bodyPr wrap="square">
+            <a:spAutoFit/>
+          </a:bodyPr>
+          <a:lstStyle/>
+          <a:p>
+            <a:pPr algn="l">
+              <a:lnSpc>
+                <a:spcPts val="1725"/>
+              </a:lnSpc>
+              <a:defRPr sz="1500" b="1">
+                <a:solidFill>
+                  <a:srgbClr val="E87D2F"/>
+                </a:solidFill>
+                <a:latin typeface="Calibri"/>
+              </a:defRPr>
+            </a:pPr>
+            <a:r>
+              <a:t>Without analysis, LLM must:</a:t>
+            </a:r>
+          </a:p>
+        </p:txBody>
+      </p:sp>
+      <p:sp>
+        <p:nvSpPr>
+          <p:cNvPr id="8" name="TextBox 7"/>
+          <p:cNvSpPr txBox="1"/>
+          <p:nvPr/>
+        </p:nvSpPr>
+        <p:spPr>
+          <a:xfrm>
+            <a:off x="4846320" y="3337560"/>
+            <a:ext cx="4114800" cy="1371600"/>
+          </a:xfrm>
+          <a:prstGeom prst="rect">
+            <a:avLst/>
+          </a:prstGeom>
+          <a:noFill/>
+        </p:spPr>
+        <p:txBody>
+          <a:bodyPr wrap="square">
+            <a:spAutoFit/>
+          </a:bodyPr>
+          <a:lstStyle/>
+          <a:p>
+            <a:pPr>
+              <a:lnSpc>
+                <a:spcPts val="1560"/>
+              </a:lnSpc>
+              <a:spcAft>
+                <a:spcPts val="400"/>
+              </a:spcAft>
+            </a:pPr>
+            <a:r>
+              <a:rPr sz="1200">
+                <a:solidFill>
+                  <a:srgbClr val="2C3E50"/>
+                </a:solidFill>
+                <a:latin typeface="Calibri"/>
+              </a:rPr>
+              <a:t>Infer parallelism from C code alone</a:t>
+            </a:r>
+          </a:p>
+          <a:p>
+            <a:pPr>
+              <a:lnSpc>
+                <a:spcPts val="1560"/>
+              </a:lnSpc>
+              <a:spcAft>
+                <a:spcPts val="400"/>
+              </a:spcAft>
+            </a:pPr>
+            <a:r>
+              <a:rPr sz="1200">
+                <a:solidFill>
+                  <a:srgbClr val="2C3E50"/>
+                </a:solidFill>
+                <a:latin typeface="Calibri"/>
+              </a:rPr>
+              <a:t>Guess correct memory access patterns</a:t>
+            </a:r>
+          </a:p>
+          <a:p>
+            <a:pPr>
+              <a:lnSpc>
+                <a:spcPts val="1560"/>
+              </a:lnSpc>
+              <a:spcAft>
+                <a:spcPts val="400"/>
+              </a:spcAft>
+            </a:pPr>
+            <a:r>
+              <a:rPr sz="1200">
+                <a:solidFill>
+                  <a:srgbClr val="2C3E50"/>
+                </a:solidFill>
+                <a:latin typeface="Calibri"/>
+              </a:rPr>
+              <a:t>Discover dependencies by trial and error</a:t>
+            </a:r>
+          </a:p>
+          <a:p>
+            <a:pPr>
+              <a:lnSpc>
+                <a:spcPts val="1560"/>
+              </a:lnSpc>
+              <a:spcAft>
+                <a:spcPts val="400"/>
+              </a:spcAft>
+            </a:pPr>
+            <a:r>
+              <a:rPr sz="1200">
+                <a:solidFill>
+                  <a:srgbClr val="2C3E50"/>
+                </a:solidFill>
+                <a:latin typeface="Calibri"/>
+              </a:rPr>
+              <a:t>Rely entirely on retry-with-error feedback</a:t>
+            </a:r>
+          </a:p>
+        </p:txBody>
+      </p:sp>
+      <p:sp>
+        <p:nvSpPr>
+          <p:cNvPr id="9" name="Rounded Rectangle 8"/>
+          <p:cNvSpPr/>
+          <p:nvPr/>
+        </p:nvSpPr>
+        <p:spPr>
+          <a:xfrm>
+            <a:off x="457200" y="4572000"/>
+            <a:ext cx="8229600" cy="411480"/>
+          </a:xfrm>
+          <a:prstGeom prst="roundRect">
+            <a:avLst>
+              <a:gd name="adj" fmla="val 10000"/>
+            </a:avLst>
+          </a:prstGeom>
+          <a:solidFill>
+            <a:srgbClr val="EBF5FB"/>
+          </a:solidFill>
+          <a:ln w="19050">
+            <a:solidFill>
+              <a:srgbClr val="2E5C8A"/>
+            </a:solidFill>
+          </a:ln>
+        </p:spPr>
+        <p:style>
+          <a:lnRef idx="1">
+            <a:schemeClr val="accent1"/>
+          </a:lnRef>
+          <a:fillRef idx="3">
+            <a:schemeClr val="accent1"/>
+          </a:fillRef>
+          <a:effectRef idx="2">
+            <a:schemeClr val="accent1"/>
+          </a:effectRef>
+          <a:fontRef idx="minor">
+            <a:schemeClr val="lt1"/>
+          </a:fontRef>
+        </p:style>
+        <p:txBody>
+          <a:bodyPr rtlCol="0" anchor="ctr" lIns="137160"/>
+          <a:lstStyle/>
+          <a:p>
+            <a:pPr algn="ctr"/>
+            <a:r>
+              <a:rPr b="1" sz="1400">
+                <a:solidFill>
+                  <a:srgbClr val="2E5C8A"/>
+                </a:solidFill>
+                <a:latin typeface="Calibri"/>
+              </a:rPr>
+              <a:t>Takeaway: </a:t>
+            </a:r>
+            <a:r>
+              <a:rPr sz="1300">
+                <a:solidFill>
+                  <a:srgbClr val="2C3E50"/>
+                </a:solidFill>
+                <a:latin typeface="Calibri"/>
+              </a:rPr>
+              <a:t>Static analysis provides structured guidance that reduces trial-and-error, especially for complex kernels with dependencies.</a:t>
+            </a:r>
+          </a:p>
+        </p:txBody>
+      </p:sp>
+    </p:spTree>
+  </p:cSld>
+  <p:clrMapOvr>
+    <a:masterClrMapping/>
+  </p:clrMapOvr>
+</p:sld>
+</file>
+
 <file path=ppt/slides/slide2.xml><?xml version="1.0" encoding="utf-8"?>
 <p:sld xmlns:a="http://schemas.openxmlformats.org/drawingml/2006/main" xmlns:p="http://schemas.openxmlformats.org/presentationml/2006/main" xmlns:r="http://schemas.openxmlformats.org/officeDocument/2006/relationships">
   <p:cSld>
@@ -7283,8 +8141,211 @@
         </p:nvSpPr>
         <p:spPr>
           <a:xfrm>
-            <a:off x="457200" y="1005840"/>
-            <a:ext cx="5943600" cy="2103120"/>
+            <a:off x="457200" y="914400"/>
+            <a:ext cx="8229600" cy="502920"/>
+          </a:xfrm>
+          <a:prstGeom prst="roundRect">
+            <a:avLst>
+              <a:gd name="adj" fmla="val 10000"/>
+            </a:avLst>
+          </a:prstGeom>
+          <a:solidFill>
+            <a:srgbClr val="E8F8F5"/>
+          </a:solidFill>
+          <a:ln w="19050">
+            <a:solidFill>
+              <a:srgbClr val="27AE60"/>
+            </a:solidFill>
+          </a:ln>
+        </p:spPr>
+        <p:style>
+          <a:lnRef idx="1">
+            <a:schemeClr val="accent1"/>
+          </a:lnRef>
+          <a:fillRef idx="3">
+            <a:schemeClr val="accent1"/>
+          </a:fillRef>
+          <a:effectRef idx="2">
+            <a:schemeClr val="accent1"/>
+          </a:effectRef>
+          <a:fontRef idx="minor">
+            <a:schemeClr val="lt1"/>
+          </a:fontRef>
+        </p:style>
+        <p:txBody>
+          <a:bodyPr rtlCol="0" anchor="ctr" lIns="137160"/>
+          <a:lstStyle/>
+          <a:p>
+            <a:pPr algn="ctr"/>
+            <a:r>
+              <a:rPr b="1" sz="1500">
+                <a:solidFill>
+                  <a:srgbClr val="27AE60"/>
+                </a:solidFill>
+                <a:latin typeface="Calibri"/>
+              </a:rPr>
+              <a:t>Key Finding: </a:t>
+            </a:r>
+            <a:r>
+              <a:rPr sz="1400">
+                <a:solidFill>
+                  <a:srgbClr val="2C3E50"/>
+                </a:solidFill>
+                <a:latin typeface="Calibri"/>
+              </a:rPr>
+              <a:t>PET succeeds on 207/210 analysis cases (98.6%). LLVM fallback triggered only 3 times.</a:t>
+            </a:r>
+          </a:p>
+        </p:txBody>
+      </p:sp>
+      <p:sp>
+        <p:nvSpPr>
+          <p:cNvPr id="4" name="TextBox 3"/>
+          <p:cNvSpPr txBox="1"/>
+          <p:nvPr/>
+        </p:nvSpPr>
+        <p:spPr>
+          <a:xfrm>
+            <a:off x="457200" y="1600200"/>
+            <a:ext cx="4572000" cy="274320"/>
+          </a:xfrm>
+          <a:prstGeom prst="rect">
+            <a:avLst/>
+          </a:prstGeom>
+          <a:noFill/>
+        </p:spPr>
+        <p:txBody>
+          <a:bodyPr wrap="square">
+            <a:spAutoFit/>
+          </a:bodyPr>
+          <a:lstStyle/>
+          <a:p>
+            <a:pPr algn="l">
+              <a:lnSpc>
+                <a:spcPts val="1609"/>
+              </a:lnSpc>
+              <a:defRPr sz="1400" b="1">
+                <a:solidFill>
+                  <a:srgbClr val="1B2A4A"/>
+                </a:solidFill>
+                <a:latin typeface="Calibri"/>
+              </a:defRPr>
+            </a:pPr>
+            <a:r>
+              <a:t>Analysis Coverage (7 active modules x 30 kernels = 210 cases):</a:t>
+            </a:r>
+          </a:p>
+        </p:txBody>
+      </p:sp>
+      <p:sp>
+        <p:nvSpPr>
+          <p:cNvPr id="5" name="TextBox 4"/>
+          <p:cNvSpPr txBox="1"/>
+          <p:nvPr/>
+        </p:nvSpPr>
+        <p:spPr>
+          <a:xfrm>
+            <a:off x="457200" y="1920240"/>
+            <a:ext cx="4572000" cy="1371600"/>
+          </a:xfrm>
+          <a:prstGeom prst="rect">
+            <a:avLst/>
+          </a:prstGeom>
+          <a:noFill/>
+        </p:spPr>
+        <p:txBody>
+          <a:bodyPr wrap="square">
+            <a:spAutoFit/>
+          </a:bodyPr>
+          <a:lstStyle/>
+          <a:p>
+            <a:pPr>
+              <a:lnSpc>
+                <a:spcPts val="1690"/>
+              </a:lnSpc>
+              <a:spcAft>
+                <a:spcPts val="400"/>
+              </a:spcAft>
+            </a:pPr>
+            <a:r>
+              <a:rPr sz="1300">
+                <a:solidFill>
+                  <a:srgbClr val="2C3E50"/>
+                </a:solidFill>
+                <a:latin typeface="Calibri"/>
+              </a:rPr>
+              <a:t>PET success: 207/210 (98.6%)</a:t>
+            </a:r>
+          </a:p>
+          <a:p>
+            <a:pPr>
+              <a:lnSpc>
+                <a:spcPts val="1690"/>
+              </a:lnSpc>
+              <a:spcAft>
+                <a:spcPts val="400"/>
+              </a:spcAft>
+            </a:pPr>
+            <a:r>
+              <a:rPr sz="1300">
+                <a:solidFill>
+                  <a:srgbClr val="2C3E50"/>
+                </a:solidFill>
+                <a:latin typeface="Calibri"/>
+              </a:rPr>
+              <a:t>LLVM fallback used: 3/210 (1.4%)</a:t>
+            </a:r>
+          </a:p>
+          <a:p>
+            <a:pPr>
+              <a:lnSpc>
+                <a:spcPts val="1690"/>
+              </a:lnSpc>
+              <a:spcAft>
+                <a:spcPts val="400"/>
+              </a:spcAft>
+            </a:pPr>
+            <a:r>
+              <a:rPr sz="1300">
+                <a:solidFill>
+                  <a:srgbClr val="2C3E50"/>
+                </a:solidFill>
+                <a:latin typeface="Calibri"/>
+              </a:rPr>
+              <a:t>  ScalarExp on: gemver, mvt, seidel_2d</a:t>
+            </a:r>
+          </a:p>
+          <a:p>
+            <a:pPr>
+              <a:lnSpc>
+                <a:spcPts val="1690"/>
+              </a:lnSpc>
+              <a:spcAft>
+                <a:spcPts val="400"/>
+              </a:spcAft>
+            </a:pPr>
+            <a:r>
+              <a:rPr sz="1300">
+                <a:solidFill>
+                  <a:srgbClr val="2C3E50"/>
+                </a:solidFill>
+                <a:latin typeface="Calibri"/>
+              </a:rPr>
+              <a:t>0 total failures (graceful fallback)</a:t>
+            </a:r>
+          </a:p>
+        </p:txBody>
+      </p:sp>
+      <p:sp>
+        <p:nvSpPr>
+          <p:cNvPr id="6" name="Rounded Rectangle 5"/>
+          <p:cNvSpPr/>
+          <p:nvPr/>
+        </p:nvSpPr>
+        <p:spPr>
+          <a:xfrm>
+            <a:off x="5029200" y="1600200"/>
+            <a:ext cx="3931920" cy="1097280"/>
           </a:xfrm>
           <a:prstGeom prst="roundRect">
             <a:avLst>
@@ -7320,9 +8381,9 @@
           <a:p>
             <a:pPr algn="ctr">
               <a:lnSpc>
-                <a:spcPts val="1430"/>
-              </a:lnSpc>
-              <a:defRPr sz="1100">
+                <a:spcPts val="1300"/>
+              </a:lnSpc>
+              <a:defRPr sz="1000">
                 <a:solidFill>
                   <a:srgbClr val="2C3E50"/>
                 </a:solidFill>
@@ -7330,15 +8391,15 @@
               </a:defRPr>
             </a:pPr>
             <a:r>
-              <a:t>def try_with_llvm_fallback(pet_func, llvm_fallback_func, *args):</a:t>
+              <a:t>def try_with_llvm_fallback(pet_func, llvm_func, *args):</a:t>
             </a:r>
           </a:p>
           <a:p>
             <a:pPr>
               <a:lnSpc>
-                <a:spcPts val="1430"/>
-              </a:lnSpc>
-              <a:defRPr sz="1100">
+                <a:spcPts val="1300"/>
+              </a:lnSpc>
+              <a:defRPr sz="1000">
                 <a:solidFill>
                   <a:srgbClr val="2C3E50"/>
                 </a:solidFill>
@@ -7346,15 +8407,15 @@
               </a:defRPr>
             </a:pPr>
             <a:r>
-              <a:t>    """Try PET first, fall back to LLVM on failure."""</a:t>
+              <a:t>    result = pet_func(*args)       # PET first</a:t>
             </a:r>
           </a:p>
           <a:p>
             <a:pPr>
               <a:lnSpc>
-                <a:spcPts val="1430"/>
-              </a:lnSpc>
-              <a:defRPr sz="1100">
+                <a:spcPts val="1300"/>
+              </a:lnSpc>
+              <a:defRPr sz="1000">
                 <a:solidFill>
                   <a:srgbClr val="2C3E50"/>
                 </a:solidFill>
@@ -7362,15 +8423,15 @@
               </a:defRPr>
             </a:pPr>
             <a:r>
-              <a:t>    try:</a:t>
+              <a:t>    if result is not None:</a:t>
             </a:r>
           </a:p>
           <a:p>
             <a:pPr>
               <a:lnSpc>
-                <a:spcPts val="1430"/>
-              </a:lnSpc>
-              <a:defRPr sz="1100">
+                <a:spcPts val="1300"/>
+              </a:lnSpc>
+              <a:defRPr sz="1000">
                 <a:solidFill>
                   <a:srgbClr val="2C3E50"/>
                 </a:solidFill>
@@ -7378,15 +8439,15 @@
               </a:defRPr>
             </a:pPr>
             <a:r>
-              <a:t>        result = pet_func(*args)</a:t>
+              <a:t>        return result              # 98.6% of cases</a:t>
             </a:r>
           </a:p>
           <a:p>
             <a:pPr>
               <a:lnSpc>
-                <a:spcPts val="1430"/>
-              </a:lnSpc>
-              <a:defRPr sz="1100">
+                <a:spcPts val="1300"/>
+              </a:lnSpc>
+              <a:defRPr sz="1000">
                 <a:solidFill>
                   <a:srgbClr val="2C3E50"/>
                 </a:solidFill>
@@ -7394,133 +8455,21 @@
               </a:defRPr>
             </a:pPr>
             <a:r>
-              <a:t>        if result is not None:</a:t>
-            </a:r>
-          </a:p>
-          <a:p>
-            <a:pPr>
-              <a:lnSpc>
-                <a:spcPts val="1430"/>
-              </a:lnSpc>
-              <a:defRPr sz="1100">
-                <a:solidFill>
-                  <a:srgbClr val="2C3E50"/>
-                </a:solidFill>
-                <a:latin typeface="Courier New"/>
-              </a:defRPr>
-            </a:pPr>
-            <a:r>
-              <a:t>            return result           # PET succeeded</a:t>
-            </a:r>
-          </a:p>
-          <a:p>
-            <a:pPr>
-              <a:lnSpc>
-                <a:spcPts val="1430"/>
-              </a:lnSpc>
-              <a:defRPr sz="1100">
-                <a:solidFill>
-                  <a:srgbClr val="2C3E50"/>
-                </a:solidFill>
-                <a:latin typeface="Courier New"/>
-              </a:defRPr>
-            </a:pPr>
-            <a:r>
-              <a:t>    except Exception:</a:t>
-            </a:r>
-          </a:p>
-          <a:p>
-            <a:pPr>
-              <a:lnSpc>
-                <a:spcPts val="1430"/>
-              </a:lnSpc>
-              <a:defRPr sz="1100">
-                <a:solidFill>
-                  <a:srgbClr val="2C3E50"/>
-                </a:solidFill>
-                <a:latin typeface="Courier New"/>
-              </a:defRPr>
-            </a:pPr>
-            <a:r>
-              <a:t>        pass</a:t>
-            </a:r>
-          </a:p>
-          <a:p>
-            <a:pPr>
-              <a:lnSpc>
-                <a:spcPts val="1430"/>
-              </a:lnSpc>
-              <a:defRPr sz="1100">
-                <a:solidFill>
-                  <a:srgbClr val="2C3E50"/>
-                </a:solidFill>
-                <a:latin typeface="Courier New"/>
-              </a:defRPr>
-            </a:pPr>
-            <a:r>
-              <a:t>    try:</a:t>
-            </a:r>
-          </a:p>
-          <a:p>
-            <a:pPr>
-              <a:lnSpc>
-                <a:spcPts val="1430"/>
-              </a:lnSpc>
-              <a:defRPr sz="1100">
-                <a:solidFill>
-                  <a:srgbClr val="2C3E50"/>
-                </a:solidFill>
-                <a:latin typeface="Courier New"/>
-              </a:defRPr>
-            </a:pPr>
-            <a:r>
-              <a:t>        return llvm_fallback_func(*args)  # LLVM fallback</a:t>
-            </a:r>
-          </a:p>
-          <a:p>
-            <a:pPr>
-              <a:lnSpc>
-                <a:spcPts val="1430"/>
-              </a:lnSpc>
-              <a:defRPr sz="1100">
-                <a:solidFill>
-                  <a:srgbClr val="2C3E50"/>
-                </a:solidFill>
-                <a:latin typeface="Courier New"/>
-              </a:defRPr>
-            </a:pPr>
-            <a:r>
-              <a:t>    except Exception:</a:t>
-            </a:r>
-          </a:p>
-          <a:p>
-            <a:pPr>
-              <a:lnSpc>
-                <a:spcPts val="1430"/>
-              </a:lnSpc>
-              <a:defRPr sz="1100">
-                <a:solidFill>
-                  <a:srgbClr val="2C3E50"/>
-                </a:solidFill>
-                <a:latin typeface="Courier New"/>
-              </a:defRPr>
-            </a:pPr>
-            <a:r>
-              <a:t>        return None                 # Both failed gracefully</a:t>
-            </a:r>
-          </a:p>
-        </p:txBody>
-      </p:sp>
-      <p:sp>
-        <p:nvSpPr>
-          <p:cNvPr id="4" name="TextBox 3"/>
+              <a:t>    return llvm_func(*args)        # LLVM fallback (1.4%)</a:t>
+            </a:r>
+          </a:p>
+        </p:txBody>
+      </p:sp>
+      <p:sp>
+        <p:nvSpPr>
+          <p:cNvPr id="7" name="TextBox 6"/>
           <p:cNvSpPr txBox="1"/>
           <p:nvPr/>
         </p:nvSpPr>
         <p:spPr>
           <a:xfrm>
-            <a:off x="6675120" y="1005840"/>
-            <a:ext cx="2286000" cy="365760"/>
+            <a:off x="5029200" y="2834640"/>
+            <a:ext cx="3931920" cy="274320"/>
           </a:xfrm>
           <a:prstGeom prst="rect">
             <a:avLst/>
@@ -7535,9 +8484,9 @@
           <a:p>
             <a:pPr algn="l">
               <a:lnSpc>
-                <a:spcPts val="2070"/>
-              </a:lnSpc>
-              <a:defRPr sz="1800" b="1">
+                <a:spcPts val="1495"/>
+              </a:lnSpc>
+              <a:defRPr sz="1300" b="1">
                 <a:solidFill>
                   <a:srgbClr val="2E5C8A"/>
                 </a:solidFill>
@@ -7545,21 +8494,21 @@
               </a:defRPr>
             </a:pPr>
             <a:r>
-              <a:t>Robustness</a:t>
-            </a:r>
-          </a:p>
-        </p:txBody>
-      </p:sp>
-      <p:sp>
-        <p:nvSpPr>
-          <p:cNvPr id="5" name="TextBox 4"/>
+              <a:t>Why it matters:</a:t>
+            </a:r>
+          </a:p>
+        </p:txBody>
+      </p:sp>
+      <p:sp>
+        <p:nvSpPr>
+          <p:cNvPr id="8" name="TextBox 7"/>
           <p:cNvSpPr txBox="1"/>
           <p:nvPr/>
         </p:nvSpPr>
         <p:spPr>
           <a:xfrm>
-            <a:off x="6583680" y="1463040"/>
-            <a:ext cx="2286000" cy="2286000"/>
+            <a:off x="5029200" y="3108960"/>
+            <a:ext cx="3931920" cy="914400"/>
           </a:xfrm>
           <a:prstGeom prst="rect">
             <a:avLst/>
@@ -7587,7 +8536,7 @@
                 </a:solidFill>
                 <a:latin typeface="Calibri"/>
               </a:rPr>
-              <a:t>0 crashes across 480 combos</a:t>
+              <a:t>PET's polyhedral model is precise</a:t>
             </a:r>
           </a:p>
           <a:p>
@@ -7606,7 +8555,7 @@
                 </a:solidFill>
                 <a:latin typeface="Calibri"/>
               </a:rPr>
-              <a:t>(16 modules x 30 kernels)</a:t>
+              <a:t>LLVM fallback = safety net, rarely needed</a:t>
             </a:r>
           </a:p>
           <a:p>
@@ -7625,134 +8574,20 @@
                 </a:solidFill>
                 <a:latin typeface="Calibri"/>
               </a:rPr>
-              <a:t/>
-            </a:r>
-          </a:p>
-          <a:p>
-            <a:pPr>
-              <a:lnSpc>
-                <a:spcPts val="1560"/>
-              </a:lnSpc>
-              <a:spcAft>
-                <a:spcPts val="400"/>
-              </a:spcAft>
-            </a:pPr>
-            <a:r>
-              <a:rPr sz="1200">
-                <a:solidFill>
-                  <a:srgbClr val="2C3E50"/>
-                </a:solidFill>
-                <a:latin typeface="Calibri"/>
-              </a:rPr>
-              <a:t>8 modules: 100% pass</a:t>
-            </a:r>
-          </a:p>
-          <a:p>
-            <a:pPr>
-              <a:lnSpc>
-                <a:spcPts val="1560"/>
-              </a:lnSpc>
-              <a:spcAft>
-                <a:spcPts val="400"/>
-              </a:spcAft>
-            </a:pPr>
-            <a:r>
-              <a:rPr sz="1200">
-                <a:solidFill>
-                  <a:srgbClr val="2C3E50"/>
-                </a:solidFill>
-                <a:latin typeface="Calibri"/>
-              </a:rPr>
-              <a:t>ScalarExp: 90% pass</a:t>
-            </a:r>
-          </a:p>
-          <a:p>
-            <a:pPr>
-              <a:lnSpc>
-                <a:spcPts val="1560"/>
-              </a:lnSpc>
-              <a:spcAft>
-                <a:spcPts val="400"/>
-              </a:spcAft>
-            </a:pPr>
-            <a:r>
-              <a:rPr sz="1200">
-                <a:solidFill>
-                  <a:srgbClr val="2C3E50"/>
-                </a:solidFill>
-                <a:latin typeface="Calibri"/>
-              </a:rPr>
-              <a:t>(3 kernels empty output)</a:t>
-            </a:r>
-          </a:p>
-          <a:p>
-            <a:pPr>
-              <a:lnSpc>
-                <a:spcPts val="1560"/>
-              </a:lnSpc>
-              <a:spcAft>
-                <a:spcPts val="400"/>
-              </a:spcAft>
-            </a:pPr>
-            <a:r>
-              <a:rPr sz="1200">
-                <a:solidFill>
-                  <a:srgbClr val="2C3E50"/>
-                </a:solidFill>
-                <a:latin typeface="Calibri"/>
-              </a:rPr>
-              <a:t/>
-            </a:r>
-          </a:p>
-          <a:p>
-            <a:pPr>
-              <a:lnSpc>
-                <a:spcPts val="1560"/>
-              </a:lnSpc>
-              <a:spcAft>
-                <a:spcPts val="400"/>
-              </a:spcAft>
-            </a:pPr>
-            <a:r>
-              <a:rPr sz="1200">
-                <a:solidFill>
-                  <a:srgbClr val="2C3E50"/>
-                </a:solidFill>
-                <a:latin typeface="Calibri"/>
-              </a:rPr>
-              <a:t>Same dict format from</a:t>
-            </a:r>
-          </a:p>
-          <a:p>
-            <a:pPr>
-              <a:lnSpc>
-                <a:spcPts val="1560"/>
-              </a:lnSpc>
-              <a:spcAft>
-                <a:spcPts val="400"/>
-              </a:spcAft>
-            </a:pPr>
-            <a:r>
-              <a:rPr sz="1200">
-                <a:solidFill>
-                  <a:srgbClr val="2C3E50"/>
-                </a:solidFill>
-                <a:latin typeface="Calibri"/>
-              </a:rPr>
-              <a:t>both PET and LLVM paths</a:t>
-            </a:r>
-          </a:p>
-        </p:txBody>
-      </p:sp>
-      <p:sp>
-        <p:nvSpPr>
-          <p:cNvPr id="6" name="Rounded Rectangle 5"/>
+              <a:t>Both return identical dict format</a:t>
+            </a:r>
+          </a:p>
+        </p:txBody>
+      </p:sp>
+      <p:sp>
+        <p:nvSpPr>
+          <p:cNvPr id="9" name="Rounded Rectangle 8"/>
           <p:cNvSpPr/>
           <p:nvPr/>
         </p:nvSpPr>
         <p:spPr>
           <a:xfrm>
-            <a:off x="731520" y="3474720"/>
+            <a:off x="731520" y="3840480"/>
             <a:ext cx="1645920" cy="457200"/>
           </a:xfrm>
           <a:prstGeom prst="roundRect">
@@ -7801,13 +8636,13 @@
       </p:sp>
       <p:sp>
         <p:nvSpPr>
-          <p:cNvPr id="7" name="Right Arrow 6"/>
+          <p:cNvPr id="10" name="Right Arrow 9"/>
           <p:cNvSpPr/>
           <p:nvPr/>
         </p:nvSpPr>
         <p:spPr>
           <a:xfrm>
-            <a:off x="2468880" y="3611880"/>
+            <a:off x="2468880" y="3977640"/>
             <a:ext cx="274320" cy="182880"/>
           </a:xfrm>
           <a:prstGeom prst="rightArrow">
@@ -7844,112 +8679,14 @@
       </p:sp>
       <p:sp>
         <p:nvSpPr>
-          <p:cNvPr id="8" name="Rounded Rectangle 7"/>
+          <p:cNvPr id="11" name="Rounded Rectangle 10"/>
           <p:cNvSpPr/>
           <p:nvPr/>
         </p:nvSpPr>
         <p:spPr>
           <a:xfrm>
-            <a:off x="2926080" y="3474720"/>
+            <a:off x="2926080" y="3840480"/>
             <a:ext cx="1645920" cy="457200"/>
-          </a:xfrm>
-          <a:prstGeom prst="roundRect">
-            <a:avLst>
-              <a:gd name="adj" fmla="val 15000"/>
-            </a:avLst>
-          </a:prstGeom>
-          <a:solidFill>
-            <a:srgbClr val="2E5C8A"/>
-          </a:solidFill>
-          <a:ln>
-            <a:noFill/>
-          </a:ln>
-        </p:spPr>
-        <p:style>
-          <a:lnRef idx="1">
-            <a:schemeClr val="accent1"/>
-          </a:lnRef>
-          <a:fillRef idx="3">
-            <a:schemeClr val="accent1"/>
-          </a:fillRef>
-          <a:effectRef idx="2">
-            <a:schemeClr val="accent1"/>
-          </a:effectRef>
-          <a:fontRef idx="minor">
-            <a:schemeClr val="lt1"/>
-          </a:fontRef>
-        </p:style>
-        <p:txBody>
-          <a:bodyPr rtlCol="0" anchor="ctr" wrap="square" lIns="45720" rIns="45720" tIns="27432" bIns="27432"/>
-          <a:lstStyle/>
-          <a:p>
-            <a:pPr algn="ctr">
-              <a:defRPr sz="1100" b="1">
-                <a:solidFill>
-                  <a:srgbClr val="FFFFFF"/>
-                </a:solidFill>
-                <a:latin typeface="Calibri"/>
-              </a:defRPr>
-            </a:pPr>
-            <a:r>
-              <a:t>PET Analysis</a:t>
-            </a:r>
-          </a:p>
-        </p:txBody>
-      </p:sp>
-      <p:sp>
-        <p:nvSpPr>
-          <p:cNvPr id="9" name="Right Arrow 8"/>
-          <p:cNvSpPr/>
-          <p:nvPr/>
-        </p:nvSpPr>
-        <p:spPr>
-          <a:xfrm>
-            <a:off x="4663440" y="3611880"/>
-            <a:ext cx="274320" cy="182880"/>
-          </a:xfrm>
-          <a:prstGeom prst="rightArrow">
-            <a:avLst/>
-          </a:prstGeom>
-          <a:solidFill>
-            <a:srgbClr val="2E5C8A"/>
-          </a:solidFill>
-          <a:ln>
-            <a:noFill/>
-          </a:ln>
-        </p:spPr>
-        <p:style>
-          <a:lnRef idx="1">
-            <a:schemeClr val="accent1"/>
-          </a:lnRef>
-          <a:fillRef idx="3">
-            <a:schemeClr val="accent1"/>
-          </a:fillRef>
-          <a:effectRef idx="2">
-            <a:schemeClr val="accent1"/>
-          </a:effectRef>
-          <a:fontRef idx="minor">
-            <a:schemeClr val="lt1"/>
-          </a:fontRef>
-        </p:style>
-        <p:txBody>
-          <a:bodyPr rtlCol="0" anchor="ctr"/>
-          <a:lstStyle/>
-          <a:p>
-            <a:pPr algn="ctr"/>
-          </a:p>
-        </p:txBody>
-      </p:sp>
-      <p:sp>
-        <p:nvSpPr>
-          <p:cNvPr id="10" name="Rounded Rectangle 9"/>
-          <p:cNvSpPr/>
-          <p:nvPr/>
-        </p:nvSpPr>
-        <p:spPr>
-          <a:xfrm>
-            <a:off x="5120640" y="3474720"/>
-            <a:ext cx="1463040" cy="457200"/>
           </a:xfrm>
           <a:prstGeom prst="roundRect">
             <a:avLst>
@@ -7990,20 +8727,157 @@
               </a:defRPr>
             </a:pPr>
             <a:r>
-              <a:t>Result Dict</a:t>
-            </a:r>
-          </a:p>
-        </p:txBody>
-      </p:sp>
-      <p:sp>
-        <p:nvSpPr>
-          <p:cNvPr id="11" name="Down Arrow 10"/>
+              <a:t>PET Analysis</a:t>
+            </a:r>
+          </a:p>
+        </p:txBody>
+      </p:sp>
+      <p:sp>
+        <p:nvSpPr>
+          <p:cNvPr id="12" name="Right Arrow 11"/>
           <p:cNvSpPr/>
           <p:nvPr/>
         </p:nvSpPr>
         <p:spPr>
           <a:xfrm>
-            <a:off x="3611880" y="3977640"/>
+            <a:off x="4663440" y="3977640"/>
+            <a:ext cx="274320" cy="182880"/>
+          </a:xfrm>
+          <a:prstGeom prst="rightArrow">
+            <a:avLst/>
+          </a:prstGeom>
+          <a:solidFill>
+            <a:srgbClr val="2E5C8A"/>
+          </a:solidFill>
+          <a:ln>
+            <a:noFill/>
+          </a:ln>
+        </p:spPr>
+        <p:style>
+          <a:lnRef idx="1">
+            <a:schemeClr val="accent1"/>
+          </a:lnRef>
+          <a:fillRef idx="3">
+            <a:schemeClr val="accent1"/>
+          </a:fillRef>
+          <a:effectRef idx="2">
+            <a:schemeClr val="accent1"/>
+          </a:effectRef>
+          <a:fontRef idx="minor">
+            <a:schemeClr val="lt1"/>
+          </a:fontRef>
+        </p:style>
+        <p:txBody>
+          <a:bodyPr rtlCol="0" anchor="ctr"/>
+          <a:lstStyle/>
+          <a:p>
+            <a:pPr algn="ctr"/>
+          </a:p>
+        </p:txBody>
+      </p:sp>
+      <p:sp>
+        <p:nvSpPr>
+          <p:cNvPr id="13" name="Rounded Rectangle 12"/>
+          <p:cNvSpPr/>
+          <p:nvPr/>
+        </p:nvSpPr>
+        <p:spPr>
+          <a:xfrm>
+            <a:off x="5120640" y="3840480"/>
+            <a:ext cx="1463040" cy="457200"/>
+          </a:xfrm>
+          <a:prstGeom prst="roundRect">
+            <a:avLst>
+              <a:gd name="adj" fmla="val 15000"/>
+            </a:avLst>
+          </a:prstGeom>
+          <a:solidFill>
+            <a:srgbClr val="27AE60"/>
+          </a:solidFill>
+          <a:ln>
+            <a:noFill/>
+          </a:ln>
+        </p:spPr>
+        <p:style>
+          <a:lnRef idx="1">
+            <a:schemeClr val="accent1"/>
+          </a:lnRef>
+          <a:fillRef idx="3">
+            <a:schemeClr val="accent1"/>
+          </a:fillRef>
+          <a:effectRef idx="2">
+            <a:schemeClr val="accent1"/>
+          </a:effectRef>
+          <a:fontRef idx="minor">
+            <a:schemeClr val="lt1"/>
+          </a:fontRef>
+        </p:style>
+        <p:txBody>
+          <a:bodyPr rtlCol="0" anchor="ctr" wrap="square" lIns="45720" rIns="45720" tIns="27432" bIns="27432"/>
+          <a:lstStyle/>
+          <a:p>
+            <a:pPr algn="ctr">
+              <a:defRPr sz="1100" b="1">
+                <a:solidFill>
+                  <a:srgbClr val="FFFFFF"/>
+                </a:solidFill>
+                <a:latin typeface="Calibri"/>
+              </a:defRPr>
+            </a:pPr>
+            <a:r>
+              <a:t>Result Dict</a:t>
+            </a:r>
+          </a:p>
+        </p:txBody>
+      </p:sp>
+      <p:sp>
+        <p:nvSpPr>
+          <p:cNvPr id="14" name="TextBox 13"/>
+          <p:cNvSpPr txBox="1"/>
+          <p:nvPr/>
+        </p:nvSpPr>
+        <p:spPr>
+          <a:xfrm>
+            <a:off x="6766560" y="3886200"/>
+            <a:ext cx="1371600" cy="320040"/>
+          </a:xfrm>
+          <a:prstGeom prst="rect">
+            <a:avLst/>
+          </a:prstGeom>
+          <a:noFill/>
+        </p:spPr>
+        <p:txBody>
+          <a:bodyPr wrap="square">
+            <a:spAutoFit/>
+          </a:bodyPr>
+          <a:lstStyle/>
+          <a:p>
+            <a:pPr algn="l">
+              <a:lnSpc>
+                <a:spcPts val="1495"/>
+              </a:lnSpc>
+              <a:defRPr sz="1300" b="1">
+                <a:solidFill>
+                  <a:srgbClr val="27AE60"/>
+                </a:solidFill>
+                <a:latin typeface="Calibri"/>
+              </a:defRPr>
+            </a:pPr>
+            <a:r>
+              <a:t>98.6%</a:t>
+            </a:r>
+          </a:p>
+        </p:txBody>
+      </p:sp>
+      <p:sp>
+        <p:nvSpPr>
+          <p:cNvPr id="15" name="Down Arrow 14"/>
+          <p:cNvSpPr/>
+          <p:nvPr/>
+        </p:nvSpPr>
+        <p:spPr>
+          <a:xfrm>
+            <a:off x="3611880" y="4343400"/>
             <a:ext cx="228600" cy="228600"/>
           </a:xfrm>
           <a:prstGeom prst="downArrow">
@@ -8040,13 +8914,13 @@
       </p:sp>
       <p:sp>
         <p:nvSpPr>
-          <p:cNvPr id="12" name="Rounded Rectangle 11"/>
+          <p:cNvPr id="16" name="Rounded Rectangle 15"/>
           <p:cNvSpPr/>
           <p:nvPr/>
         </p:nvSpPr>
         <p:spPr>
           <a:xfrm>
-            <a:off x="2926080" y="4343400"/>
+            <a:off x="2926080" y="4709160"/>
             <a:ext cx="1645920" cy="457200"/>
           </a:xfrm>
           <a:prstGeom prst="roundRect">
@@ -8095,13 +8969,13 @@
       </p:sp>
       <p:sp>
         <p:nvSpPr>
-          <p:cNvPr id="13" name="Right Arrow 12"/>
+          <p:cNvPr id="17" name="Right Arrow 16"/>
           <p:cNvSpPr/>
           <p:nvPr/>
         </p:nvSpPr>
         <p:spPr>
           <a:xfrm>
-            <a:off x="4663440" y="4480560"/>
+            <a:off x="4663440" y="4846320"/>
             <a:ext cx="274320" cy="182880"/>
           </a:xfrm>
           <a:prstGeom prst="rightArrow">
@@ -8138,13 +9012,13 @@
       </p:sp>
       <p:sp>
         <p:nvSpPr>
-          <p:cNvPr id="14" name="Rounded Rectangle 13"/>
+          <p:cNvPr id="18" name="Rounded Rectangle 17"/>
           <p:cNvSpPr/>
           <p:nvPr/>
         </p:nvSpPr>
         <p:spPr>
           <a:xfrm>
-            <a:off x="5120640" y="4343400"/>
+            <a:off x="5120640" y="4709160"/>
             <a:ext cx="1463040" cy="457200"/>
           </a:xfrm>
           <a:prstGeom prst="roundRect">
@@ -8193,13 +9067,52 @@
       </p:sp>
       <p:sp>
         <p:nvSpPr>
-          <p:cNvPr id="15" name="TextBox 14"/>
+          <p:cNvPr id="19" name="TextBox 18"/>
           <p:cNvSpPr txBox="1"/>
           <p:nvPr/>
         </p:nvSpPr>
         <p:spPr>
           <a:xfrm>
-            <a:off x="3017520" y="3931920"/>
+            <a:off x="6766560" y="4754880"/>
+            <a:ext cx="1371600" cy="320040"/>
+          </a:xfrm>
+          <a:prstGeom prst="rect">
+            <a:avLst/>
+          </a:prstGeom>
+          <a:noFill/>
+        </p:spPr>
+        <p:txBody>
+          <a:bodyPr wrap="square">
+            <a:spAutoFit/>
+          </a:bodyPr>
+          <a:lstStyle/>
+          <a:p>
+            <a:pPr algn="l">
+              <a:lnSpc>
+                <a:spcPts val="1495"/>
+              </a:lnSpc>
+              <a:defRPr sz="1300" b="1">
+                <a:solidFill>
+                  <a:srgbClr val="E87D2F"/>
+                </a:solidFill>
+                <a:latin typeface="Calibri"/>
+              </a:defRPr>
+            </a:pPr>
+            <a:r>
+              <a:t>1.4%</a:t>
+            </a:r>
+          </a:p>
+        </p:txBody>
+      </p:sp>
+      <p:sp>
+        <p:nvSpPr>
+          <p:cNvPr id="20" name="TextBox 19"/>
+          <p:cNvSpPr txBox="1"/>
+          <p:nvPr/>
+        </p:nvSpPr>
+        <p:spPr>
+          <a:xfrm>
+            <a:off x="3017520" y="4297680"/>
             <a:ext cx="1371600" cy="320040"/>
           </a:xfrm>
           <a:prstGeom prst="rect">
